--- a/Correction_DOC/CorrectionNumerique.pptx
+++ b/Correction_DOC/CorrectionNumerique.pptx
@@ -1185,7 +1185,7 @@
         <a:p>
           <a:r>
             <a:rPr lang="fr-FR" dirty="0"/>
-            <a:t>Réalisation des ARCODE</a:t>
+            <a:t>Réalisation des QRCODE</a:t>
           </a:r>
         </a:p>
       </dgm:t>
@@ -1970,7 +1970,7 @@
           </a:pPr>
           <a:r>
             <a:rPr lang="fr-FR" sz="1000" kern="1200" dirty="0"/>
-            <a:t>Réalisation des ARCODE</a:t>
+            <a:t>Réalisation des QRCODE</a:t>
           </a:r>
         </a:p>
         <a:p>
@@ -4423,7 +4423,7 @@
           <a:p>
             <a:fld id="{A23D49AA-6618-411E-BD9B-E337A3C3ABE1}" type="datetimeFigureOut">
               <a:rPr lang="fr-FR" smtClean="0"/>
-              <a:t>08/01/2024</a:t>
+              <a:t>24/02/2024</a:t>
             </a:fld>
             <a:endParaRPr lang="fr-FR"/>
           </a:p>
@@ -4621,7 +4621,7 @@
           <a:p>
             <a:fld id="{A23D49AA-6618-411E-BD9B-E337A3C3ABE1}" type="datetimeFigureOut">
               <a:rPr lang="fr-FR" smtClean="0"/>
-              <a:t>08/01/2024</a:t>
+              <a:t>24/02/2024</a:t>
             </a:fld>
             <a:endParaRPr lang="fr-FR"/>
           </a:p>
@@ -4829,7 +4829,7 @@
           <a:p>
             <a:fld id="{A23D49AA-6618-411E-BD9B-E337A3C3ABE1}" type="datetimeFigureOut">
               <a:rPr lang="fr-FR" smtClean="0"/>
-              <a:t>08/01/2024</a:t>
+              <a:t>24/02/2024</a:t>
             </a:fld>
             <a:endParaRPr lang="fr-FR"/>
           </a:p>
@@ -5027,7 +5027,7 @@
           <a:p>
             <a:fld id="{A23D49AA-6618-411E-BD9B-E337A3C3ABE1}" type="datetimeFigureOut">
               <a:rPr lang="fr-FR" smtClean="0"/>
-              <a:t>08/01/2024</a:t>
+              <a:t>24/02/2024</a:t>
             </a:fld>
             <a:endParaRPr lang="fr-FR"/>
           </a:p>
@@ -5302,7 +5302,7 @@
           <a:p>
             <a:fld id="{A23D49AA-6618-411E-BD9B-E337A3C3ABE1}" type="datetimeFigureOut">
               <a:rPr lang="fr-FR" smtClean="0"/>
-              <a:t>08/01/2024</a:t>
+              <a:t>24/02/2024</a:t>
             </a:fld>
             <a:endParaRPr lang="fr-FR"/>
           </a:p>
@@ -5567,7 +5567,7 @@
           <a:p>
             <a:fld id="{A23D49AA-6618-411E-BD9B-E337A3C3ABE1}" type="datetimeFigureOut">
               <a:rPr lang="fr-FR" smtClean="0"/>
-              <a:t>08/01/2024</a:t>
+              <a:t>24/02/2024</a:t>
             </a:fld>
             <a:endParaRPr lang="fr-FR"/>
           </a:p>
@@ -5979,7 +5979,7 @@
           <a:p>
             <a:fld id="{A23D49AA-6618-411E-BD9B-E337A3C3ABE1}" type="datetimeFigureOut">
               <a:rPr lang="fr-FR" smtClean="0"/>
-              <a:t>08/01/2024</a:t>
+              <a:t>24/02/2024</a:t>
             </a:fld>
             <a:endParaRPr lang="fr-FR"/>
           </a:p>
@@ -6120,7 +6120,7 @@
           <a:p>
             <a:fld id="{A23D49AA-6618-411E-BD9B-E337A3C3ABE1}" type="datetimeFigureOut">
               <a:rPr lang="fr-FR" smtClean="0"/>
-              <a:t>08/01/2024</a:t>
+              <a:t>24/02/2024</a:t>
             </a:fld>
             <a:endParaRPr lang="fr-FR"/>
           </a:p>
@@ -6233,7 +6233,7 @@
           <a:p>
             <a:fld id="{A23D49AA-6618-411E-BD9B-E337A3C3ABE1}" type="datetimeFigureOut">
               <a:rPr lang="fr-FR" smtClean="0"/>
-              <a:t>08/01/2024</a:t>
+              <a:t>24/02/2024</a:t>
             </a:fld>
             <a:endParaRPr lang="fr-FR"/>
           </a:p>
@@ -6544,7 +6544,7 @@
           <a:p>
             <a:fld id="{A23D49AA-6618-411E-BD9B-E337A3C3ABE1}" type="datetimeFigureOut">
               <a:rPr lang="fr-FR" smtClean="0"/>
-              <a:t>08/01/2024</a:t>
+              <a:t>24/02/2024</a:t>
             </a:fld>
             <a:endParaRPr lang="fr-FR"/>
           </a:p>
@@ -6832,7 +6832,7 @@
           <a:p>
             <a:fld id="{A23D49AA-6618-411E-BD9B-E337A3C3ABE1}" type="datetimeFigureOut">
               <a:rPr lang="fr-FR" smtClean="0"/>
-              <a:t>08/01/2024</a:t>
+              <a:t>24/02/2024</a:t>
             </a:fld>
             <a:endParaRPr lang="fr-FR"/>
           </a:p>
@@ -7073,7 +7073,7 @@
           <a:p>
             <a:fld id="{A23D49AA-6618-411E-BD9B-E337A3C3ABE1}" type="datetimeFigureOut">
               <a:rPr lang="fr-FR" smtClean="0"/>
-              <a:t>08/01/2024</a:t>
+              <a:t>24/02/2024</a:t>
             </a:fld>
             <a:endParaRPr lang="fr-FR"/>
           </a:p>
@@ -7506,7 +7506,7 @@
             <p:ph idx="1"/>
             <p:extLst>
               <p:ext uri="{D42A27DB-BD31-4B8C-83A1-F6EECF244321}">
-                <p14:modId xmlns:p14="http://schemas.microsoft.com/office/powerpoint/2010/main" val="885216405"/>
+                <p14:modId xmlns:p14="http://schemas.microsoft.com/office/powerpoint/2010/main" val="3347096125"/>
               </p:ext>
             </p:extLst>
           </p:nvPr>
